--- a/Monitoring/CW/AWS-Cloudwatch.pptx
+++ b/Monitoring/CW/AWS-Cloudwatch.pptx
@@ -207,7 +207,7 @@
           <a:p>
             <a:fld id="{81F5F84A-AB20-42D8-B92F-756A8EB0A615}" type="datetimeFigureOut">
               <a:rPr lang="en-IN" smtClean="0"/>
-              <a:t>23-11-2025</a:t>
+              <a:t>18-01-2026</a:t>
             </a:fld>
             <a:endParaRPr lang="en-IN"/>
           </a:p>
@@ -7658,15 +7658,10 @@
                 <a:cs typeface="Roboto Mono"/>
                 <a:sym typeface="Roboto Mono"/>
               </a:rPr>
-              <a:t> policy</a:t>
-            </a:r>
-          </a:p>
-          <a:p>
-            <a:pPr marL="0" indent="0">
-              <a:buNone/>
-            </a:pPr>
-            <a:r>
-              <a:rPr lang="en-US" sz="1000" dirty="0">
+              <a:t> policy and </a:t>
+            </a:r>
+            <a:r>
+              <a:rPr lang="en-US" sz="1000" dirty="0" err="1">
                 <a:solidFill>
                   <a:srgbClr val="188038"/>
                 </a:solidFill>
@@ -7675,7 +7670,74 @@
                 <a:cs typeface="Roboto Mono"/>
                 <a:sym typeface="Roboto Mono"/>
               </a:rPr>
-              <a:t>Name the role (e.g., "EC2CloudWatchLogsRole")</a:t>
+              <a:t>CloudWatchAgentServerPolicy</a:t>
+            </a:r>
+            <a:r>
+              <a:rPr lang="en-US" sz="1000" dirty="0">
+                <a:solidFill>
+                  <a:srgbClr val="188038"/>
+                </a:solidFill>
+                <a:latin typeface="Roboto Mono"/>
+                <a:ea typeface="Roboto Mono"/>
+                <a:cs typeface="Roboto Mono"/>
+                <a:sym typeface="Roboto Mono"/>
+              </a:rPr>
+              <a:t> policy</a:t>
+            </a:r>
+          </a:p>
+          <a:p>
+            <a:pPr marL="0" indent="0">
+              <a:buNone/>
+            </a:pPr>
+            <a:endParaRPr lang="en-US" sz="1000" dirty="0">
+              <a:solidFill>
+                <a:srgbClr val="188038"/>
+              </a:solidFill>
+              <a:latin typeface="Roboto Mono"/>
+              <a:ea typeface="Roboto Mono"/>
+              <a:cs typeface="Roboto Mono"/>
+              <a:sym typeface="Roboto Mono"/>
+            </a:endParaRPr>
+          </a:p>
+          <a:p>
+            <a:pPr marL="0" indent="0">
+              <a:buNone/>
+            </a:pPr>
+            <a:r>
+              <a:rPr lang="en-US" sz="1000" dirty="0">
+                <a:solidFill>
+                  <a:srgbClr val="188038"/>
+                </a:solidFill>
+                <a:latin typeface="Roboto Mono"/>
+                <a:ea typeface="Roboto Mono"/>
+                <a:cs typeface="Roboto Mono"/>
+                <a:sym typeface="Roboto Mono"/>
+              </a:rPr>
+              <a:t>Name the role (e.g., "</a:t>
+            </a:r>
+            <a:r>
+              <a:rPr lang="en-US" sz="1000" dirty="0" err="1">
+                <a:solidFill>
+                  <a:srgbClr val="188038"/>
+                </a:solidFill>
+                <a:latin typeface="Roboto Mono"/>
+                <a:ea typeface="Roboto Mono"/>
+                <a:cs typeface="Roboto Mono"/>
+                <a:sym typeface="Roboto Mono"/>
+              </a:rPr>
+              <a:t>CloudWatchAgentRole</a:t>
+            </a:r>
+            <a:r>
+              <a:rPr lang="en-US" sz="1000" dirty="0">
+                <a:solidFill>
+                  <a:srgbClr val="188038"/>
+                </a:solidFill>
+                <a:latin typeface="Roboto Mono"/>
+                <a:ea typeface="Roboto Mono"/>
+                <a:cs typeface="Roboto Mono"/>
+                <a:sym typeface="Roboto Mono"/>
+              </a:rPr>
+              <a:t>")</a:t>
             </a:r>
           </a:p>
           <a:p>

--- a/Monitoring/CW/AWS-Cloudwatch.pptx
+++ b/Monitoring/CW/AWS-Cloudwatch.pptx
@@ -207,7 +207,7 @@
           <a:p>
             <a:fld id="{81F5F84A-AB20-42D8-B92F-756A8EB0A615}" type="datetimeFigureOut">
               <a:rPr lang="en-IN" smtClean="0"/>
-              <a:t>18-01-2026</a:t>
+              <a:t>24-01-2026</a:t>
             </a:fld>
             <a:endParaRPr lang="en-IN"/>
           </a:p>
